--- a/ppt 16-9/0429.马其顿呼声.pptx
+++ b/ppt 16-9/0429.马其顿呼声.pptx
@@ -129,7 +129,7 @@
           <p:cNvPr id="2" name="标题 1">
             <a:extLst>
               <a:ext uri="{FF2B5EF4-FFF2-40B4-BE49-F238E27FC236}">
-                <a16:creationId xmlns:a16="http://schemas.microsoft.com/office/drawing/2014/main" id="{221E7AD7-F1DE-0BFC-6EDA-FB3F093E0035}"/>
+                <a16:creationId xmlns:a16="http://schemas.microsoft.com/office/drawing/2014/main" id="{66145275-F3A3-CDB0-BD94-25BD5FDC0D04}"/>
               </a:ext>
             </a:extLst>
           </p:cNvPr>
@@ -166,7 +166,7 @@
           <p:cNvPr id="3" name="副标题 2">
             <a:extLst>
               <a:ext uri="{FF2B5EF4-FFF2-40B4-BE49-F238E27FC236}">
-                <a16:creationId xmlns:a16="http://schemas.microsoft.com/office/drawing/2014/main" id="{2273EF87-709C-A9EF-F728-F802AB36F117}"/>
+                <a16:creationId xmlns:a16="http://schemas.microsoft.com/office/drawing/2014/main" id="{B1230B52-8701-9191-1740-0C5376CC1CFB}"/>
               </a:ext>
             </a:extLst>
           </p:cNvPr>
@@ -236,7 +236,7 @@
           <p:cNvPr id="4" name="日期占位符 3">
             <a:extLst>
               <a:ext uri="{FF2B5EF4-FFF2-40B4-BE49-F238E27FC236}">
-                <a16:creationId xmlns:a16="http://schemas.microsoft.com/office/drawing/2014/main" id="{F046BF2F-1861-14F3-BBE8-D103271E38B5}"/>
+                <a16:creationId xmlns:a16="http://schemas.microsoft.com/office/drawing/2014/main" id="{9EFA4ADE-129F-4414-A509-2539D4C73BBF}"/>
               </a:ext>
             </a:extLst>
           </p:cNvPr>
@@ -252,7 +252,7 @@
           <a:bodyPr/>
           <a:lstStyle/>
           <a:p>
-            <a:fld id="{98554BBB-4595-4504-BEDD-9107D23E8498}" type="datetimeFigureOut">
+            <a:fld id="{7D776920-DA14-48E6-BB15-6E8A1D585757}" type="datetimeFigureOut">
               <a:rPr lang="zh-CN" altLang="en-US" smtClean="0"/>
               <a:t>2024/3/10</a:t>
             </a:fld>
@@ -265,7 +265,7 @@
           <p:cNvPr id="5" name="页脚占位符 4">
             <a:extLst>
               <a:ext uri="{FF2B5EF4-FFF2-40B4-BE49-F238E27FC236}">
-                <a16:creationId xmlns:a16="http://schemas.microsoft.com/office/drawing/2014/main" id="{6B7359BF-F9CA-2E5A-6FD2-8444EC84F253}"/>
+                <a16:creationId xmlns:a16="http://schemas.microsoft.com/office/drawing/2014/main" id="{8AECC8E3-72AE-2918-4A0B-314F5899D08E}"/>
               </a:ext>
             </a:extLst>
           </p:cNvPr>
@@ -290,7 +290,7 @@
           <p:cNvPr id="6" name="灯片编号占位符 5">
             <a:extLst>
               <a:ext uri="{FF2B5EF4-FFF2-40B4-BE49-F238E27FC236}">
-                <a16:creationId xmlns:a16="http://schemas.microsoft.com/office/drawing/2014/main" id="{EA657860-56D6-2982-865F-ECDE26E9DDDA}"/>
+                <a16:creationId xmlns:a16="http://schemas.microsoft.com/office/drawing/2014/main" id="{30148AB1-6BDF-FC39-B9E7-7AE8D59D3719}"/>
               </a:ext>
             </a:extLst>
           </p:cNvPr>
@@ -306,7 +306,7 @@
           <a:bodyPr/>
           <a:lstStyle/>
           <a:p>
-            <a:fld id="{73828C20-DC2A-46AA-AC04-66E687285C83}" type="slidenum">
+            <a:fld id="{A81A8A94-DDEE-4589-A408-9A3CE794783D}" type="slidenum">
               <a:rPr lang="zh-CN" altLang="en-US" smtClean="0"/>
               <a:t>‹#›</a:t>
             </a:fld>
@@ -317,7 +317,7 @@
     </p:spTree>
     <p:extLst>
       <p:ext uri="{BB962C8B-B14F-4D97-AF65-F5344CB8AC3E}">
-        <p14:creationId xmlns:p14="http://schemas.microsoft.com/office/powerpoint/2010/main" val="2853604205"/>
+        <p14:creationId xmlns:p14="http://schemas.microsoft.com/office/powerpoint/2010/main" val="3035379608"/>
       </p:ext>
     </p:extLst>
   </p:cSld>
@@ -349,7 +349,7 @@
           <p:cNvPr id="2" name="标题 1">
             <a:extLst>
               <a:ext uri="{FF2B5EF4-FFF2-40B4-BE49-F238E27FC236}">
-                <a16:creationId xmlns:a16="http://schemas.microsoft.com/office/drawing/2014/main" id="{FEB40E37-19AB-8411-0746-5204761F13DA}"/>
+                <a16:creationId xmlns:a16="http://schemas.microsoft.com/office/drawing/2014/main" id="{041D552D-6EB8-4C85-D0CE-90D8DD40AB03}"/>
               </a:ext>
             </a:extLst>
           </p:cNvPr>
@@ -377,7 +377,7 @@
           <p:cNvPr id="3" name="竖排文字占位符 2">
             <a:extLst>
               <a:ext uri="{FF2B5EF4-FFF2-40B4-BE49-F238E27FC236}">
-                <a16:creationId xmlns:a16="http://schemas.microsoft.com/office/drawing/2014/main" id="{1DB4FB35-EBB2-9754-8F76-2FEFD03F1893}"/>
+                <a16:creationId xmlns:a16="http://schemas.microsoft.com/office/drawing/2014/main" id="{6C3C4713-FA21-3DEF-88AC-332A212DFFEA}"/>
               </a:ext>
             </a:extLst>
           </p:cNvPr>
@@ -434,7 +434,7 @@
           <p:cNvPr id="4" name="日期占位符 3">
             <a:extLst>
               <a:ext uri="{FF2B5EF4-FFF2-40B4-BE49-F238E27FC236}">
-                <a16:creationId xmlns:a16="http://schemas.microsoft.com/office/drawing/2014/main" id="{AB1F65B0-16F4-6EB4-87AE-B2F996E4E440}"/>
+                <a16:creationId xmlns:a16="http://schemas.microsoft.com/office/drawing/2014/main" id="{6F8FE4E1-6D74-279C-9CAB-39D1956DBAC9}"/>
               </a:ext>
             </a:extLst>
           </p:cNvPr>
@@ -450,7 +450,7 @@
           <a:bodyPr/>
           <a:lstStyle/>
           <a:p>
-            <a:fld id="{98554BBB-4595-4504-BEDD-9107D23E8498}" type="datetimeFigureOut">
+            <a:fld id="{7D776920-DA14-48E6-BB15-6E8A1D585757}" type="datetimeFigureOut">
               <a:rPr lang="zh-CN" altLang="en-US" smtClean="0"/>
               <a:t>2024/3/10</a:t>
             </a:fld>
@@ -463,7 +463,7 @@
           <p:cNvPr id="5" name="页脚占位符 4">
             <a:extLst>
               <a:ext uri="{FF2B5EF4-FFF2-40B4-BE49-F238E27FC236}">
-                <a16:creationId xmlns:a16="http://schemas.microsoft.com/office/drawing/2014/main" id="{DB71C785-CE49-EDB7-462A-3094EC6FB376}"/>
+                <a16:creationId xmlns:a16="http://schemas.microsoft.com/office/drawing/2014/main" id="{5801D565-3347-26AD-AEE0-AF9C3F3FB2B7}"/>
               </a:ext>
             </a:extLst>
           </p:cNvPr>
@@ -488,7 +488,7 @@
           <p:cNvPr id="6" name="灯片编号占位符 5">
             <a:extLst>
               <a:ext uri="{FF2B5EF4-FFF2-40B4-BE49-F238E27FC236}">
-                <a16:creationId xmlns:a16="http://schemas.microsoft.com/office/drawing/2014/main" id="{C4B7B4CB-BE3B-D07F-A017-16CCA00E4BA6}"/>
+                <a16:creationId xmlns:a16="http://schemas.microsoft.com/office/drawing/2014/main" id="{0AA4D173-1D7E-5BB2-789B-48916F137273}"/>
               </a:ext>
             </a:extLst>
           </p:cNvPr>
@@ -504,7 +504,7 @@
           <a:bodyPr/>
           <a:lstStyle/>
           <a:p>
-            <a:fld id="{73828C20-DC2A-46AA-AC04-66E687285C83}" type="slidenum">
+            <a:fld id="{A81A8A94-DDEE-4589-A408-9A3CE794783D}" type="slidenum">
               <a:rPr lang="zh-CN" altLang="en-US" smtClean="0"/>
               <a:t>‹#›</a:t>
             </a:fld>
@@ -515,7 +515,7 @@
     </p:spTree>
     <p:extLst>
       <p:ext uri="{BB962C8B-B14F-4D97-AF65-F5344CB8AC3E}">
-        <p14:creationId xmlns:p14="http://schemas.microsoft.com/office/powerpoint/2010/main" val="3944384964"/>
+        <p14:creationId xmlns:p14="http://schemas.microsoft.com/office/powerpoint/2010/main" val="3531508610"/>
       </p:ext>
     </p:extLst>
   </p:cSld>
@@ -547,7 +547,7 @@
           <p:cNvPr id="2" name="竖排标题 1">
             <a:extLst>
               <a:ext uri="{FF2B5EF4-FFF2-40B4-BE49-F238E27FC236}">
-                <a16:creationId xmlns:a16="http://schemas.microsoft.com/office/drawing/2014/main" id="{96F046E3-38C7-4F38-3140-98DC87C86A95}"/>
+                <a16:creationId xmlns:a16="http://schemas.microsoft.com/office/drawing/2014/main" id="{E4D5325A-82CB-3F08-F08E-146801528AA7}"/>
               </a:ext>
             </a:extLst>
           </p:cNvPr>
@@ -580,7 +580,7 @@
           <p:cNvPr id="3" name="竖排文字占位符 2">
             <a:extLst>
               <a:ext uri="{FF2B5EF4-FFF2-40B4-BE49-F238E27FC236}">
-                <a16:creationId xmlns:a16="http://schemas.microsoft.com/office/drawing/2014/main" id="{EAE7614A-A354-5E8F-4E86-FF3824C30C4D}"/>
+                <a16:creationId xmlns:a16="http://schemas.microsoft.com/office/drawing/2014/main" id="{39072275-F2EE-034F-4A25-F66AB5879625}"/>
               </a:ext>
             </a:extLst>
           </p:cNvPr>
@@ -642,7 +642,7 @@
           <p:cNvPr id="4" name="日期占位符 3">
             <a:extLst>
               <a:ext uri="{FF2B5EF4-FFF2-40B4-BE49-F238E27FC236}">
-                <a16:creationId xmlns:a16="http://schemas.microsoft.com/office/drawing/2014/main" id="{5D5D1F7C-3510-CB57-B6E6-5927ECC72ED2}"/>
+                <a16:creationId xmlns:a16="http://schemas.microsoft.com/office/drawing/2014/main" id="{8FD82547-7A25-F490-66EA-DAB538F77FAA}"/>
               </a:ext>
             </a:extLst>
           </p:cNvPr>
@@ -658,7 +658,7 @@
           <a:bodyPr/>
           <a:lstStyle/>
           <a:p>
-            <a:fld id="{98554BBB-4595-4504-BEDD-9107D23E8498}" type="datetimeFigureOut">
+            <a:fld id="{7D776920-DA14-48E6-BB15-6E8A1D585757}" type="datetimeFigureOut">
               <a:rPr lang="zh-CN" altLang="en-US" smtClean="0"/>
               <a:t>2024/3/10</a:t>
             </a:fld>
@@ -671,7 +671,7 @@
           <p:cNvPr id="5" name="页脚占位符 4">
             <a:extLst>
               <a:ext uri="{FF2B5EF4-FFF2-40B4-BE49-F238E27FC236}">
-                <a16:creationId xmlns:a16="http://schemas.microsoft.com/office/drawing/2014/main" id="{8FBCA4D1-2F65-220E-005C-08FC48A33A0E}"/>
+                <a16:creationId xmlns:a16="http://schemas.microsoft.com/office/drawing/2014/main" id="{7DF79C24-2593-6721-3A01-0B1D9DCB09CE}"/>
               </a:ext>
             </a:extLst>
           </p:cNvPr>
@@ -696,7 +696,7 @@
           <p:cNvPr id="6" name="灯片编号占位符 5">
             <a:extLst>
               <a:ext uri="{FF2B5EF4-FFF2-40B4-BE49-F238E27FC236}">
-                <a16:creationId xmlns:a16="http://schemas.microsoft.com/office/drawing/2014/main" id="{DC9E729C-AD22-F35C-C00C-6CB1526333CD}"/>
+                <a16:creationId xmlns:a16="http://schemas.microsoft.com/office/drawing/2014/main" id="{3E279B92-CE3B-33BD-F8E7-F7A519AEFF42}"/>
               </a:ext>
             </a:extLst>
           </p:cNvPr>
@@ -712,7 +712,7 @@
           <a:bodyPr/>
           <a:lstStyle/>
           <a:p>
-            <a:fld id="{73828C20-DC2A-46AA-AC04-66E687285C83}" type="slidenum">
+            <a:fld id="{A81A8A94-DDEE-4589-A408-9A3CE794783D}" type="slidenum">
               <a:rPr lang="zh-CN" altLang="en-US" smtClean="0"/>
               <a:t>‹#›</a:t>
             </a:fld>
@@ -723,7 +723,7 @@
     </p:spTree>
     <p:extLst>
       <p:ext uri="{BB962C8B-B14F-4D97-AF65-F5344CB8AC3E}">
-        <p14:creationId xmlns:p14="http://schemas.microsoft.com/office/powerpoint/2010/main" val="1759004345"/>
+        <p14:creationId xmlns:p14="http://schemas.microsoft.com/office/powerpoint/2010/main" val="4191042475"/>
       </p:ext>
     </p:extLst>
   </p:cSld>
@@ -755,7 +755,7 @@
           <p:cNvPr id="2" name="标题 1">
             <a:extLst>
               <a:ext uri="{FF2B5EF4-FFF2-40B4-BE49-F238E27FC236}">
-                <a16:creationId xmlns:a16="http://schemas.microsoft.com/office/drawing/2014/main" id="{FC246574-5061-3492-BB3C-3A6EDBC1D10E}"/>
+                <a16:creationId xmlns:a16="http://schemas.microsoft.com/office/drawing/2014/main" id="{D7ED1F95-3A77-4042-D54A-62661389BD07}"/>
               </a:ext>
             </a:extLst>
           </p:cNvPr>
@@ -783,7 +783,7 @@
           <p:cNvPr id="3" name="内容占位符 2">
             <a:extLst>
               <a:ext uri="{FF2B5EF4-FFF2-40B4-BE49-F238E27FC236}">
-                <a16:creationId xmlns:a16="http://schemas.microsoft.com/office/drawing/2014/main" id="{4006CFCC-3211-880E-4465-C7C037FC4375}"/>
+                <a16:creationId xmlns:a16="http://schemas.microsoft.com/office/drawing/2014/main" id="{D7AC0F27-4D47-D823-D9FC-32BFE9C5A4B0}"/>
               </a:ext>
             </a:extLst>
           </p:cNvPr>
@@ -840,7 +840,7 @@
           <p:cNvPr id="4" name="日期占位符 3">
             <a:extLst>
               <a:ext uri="{FF2B5EF4-FFF2-40B4-BE49-F238E27FC236}">
-                <a16:creationId xmlns:a16="http://schemas.microsoft.com/office/drawing/2014/main" id="{F1EE6865-FC1F-2A1B-291E-C7ED278D7B6E}"/>
+                <a16:creationId xmlns:a16="http://schemas.microsoft.com/office/drawing/2014/main" id="{FB8AA395-2663-CB83-2622-5BF2867FA220}"/>
               </a:ext>
             </a:extLst>
           </p:cNvPr>
@@ -856,7 +856,7 @@
           <a:bodyPr/>
           <a:lstStyle/>
           <a:p>
-            <a:fld id="{98554BBB-4595-4504-BEDD-9107D23E8498}" type="datetimeFigureOut">
+            <a:fld id="{7D776920-DA14-48E6-BB15-6E8A1D585757}" type="datetimeFigureOut">
               <a:rPr lang="zh-CN" altLang="en-US" smtClean="0"/>
               <a:t>2024/3/10</a:t>
             </a:fld>
@@ -869,7 +869,7 @@
           <p:cNvPr id="5" name="页脚占位符 4">
             <a:extLst>
               <a:ext uri="{FF2B5EF4-FFF2-40B4-BE49-F238E27FC236}">
-                <a16:creationId xmlns:a16="http://schemas.microsoft.com/office/drawing/2014/main" id="{6AC01344-9616-127C-7251-CF3B88F0FCF1}"/>
+                <a16:creationId xmlns:a16="http://schemas.microsoft.com/office/drawing/2014/main" id="{2043ACBE-D29E-3A7A-689B-EEF5EA4280A4}"/>
               </a:ext>
             </a:extLst>
           </p:cNvPr>
@@ -894,7 +894,7 @@
           <p:cNvPr id="6" name="灯片编号占位符 5">
             <a:extLst>
               <a:ext uri="{FF2B5EF4-FFF2-40B4-BE49-F238E27FC236}">
-                <a16:creationId xmlns:a16="http://schemas.microsoft.com/office/drawing/2014/main" id="{D6D2789E-871A-95D3-1EB2-63524FA3DAF9}"/>
+                <a16:creationId xmlns:a16="http://schemas.microsoft.com/office/drawing/2014/main" id="{2FE8C90B-853F-C28A-F452-B6DE35D27BFC}"/>
               </a:ext>
             </a:extLst>
           </p:cNvPr>
@@ -910,7 +910,7 @@
           <a:bodyPr/>
           <a:lstStyle/>
           <a:p>
-            <a:fld id="{73828C20-DC2A-46AA-AC04-66E687285C83}" type="slidenum">
+            <a:fld id="{A81A8A94-DDEE-4589-A408-9A3CE794783D}" type="slidenum">
               <a:rPr lang="zh-CN" altLang="en-US" smtClean="0"/>
               <a:t>‹#›</a:t>
             </a:fld>
@@ -921,7 +921,7 @@
     </p:spTree>
     <p:extLst>
       <p:ext uri="{BB962C8B-B14F-4D97-AF65-F5344CB8AC3E}">
-        <p14:creationId xmlns:p14="http://schemas.microsoft.com/office/powerpoint/2010/main" val="1169259764"/>
+        <p14:creationId xmlns:p14="http://schemas.microsoft.com/office/powerpoint/2010/main" val="3296785427"/>
       </p:ext>
     </p:extLst>
   </p:cSld>
@@ -953,7 +953,7 @@
           <p:cNvPr id="2" name="标题 1">
             <a:extLst>
               <a:ext uri="{FF2B5EF4-FFF2-40B4-BE49-F238E27FC236}">
-                <a16:creationId xmlns:a16="http://schemas.microsoft.com/office/drawing/2014/main" id="{93DAB495-28DA-BD5A-09DD-E66B730C4854}"/>
+                <a16:creationId xmlns:a16="http://schemas.microsoft.com/office/drawing/2014/main" id="{6DEEB95F-25C4-6F82-EFBE-D192F108FAC8}"/>
               </a:ext>
             </a:extLst>
           </p:cNvPr>
@@ -990,7 +990,7 @@
           <p:cNvPr id="3" name="文本占位符 2">
             <a:extLst>
               <a:ext uri="{FF2B5EF4-FFF2-40B4-BE49-F238E27FC236}">
-                <a16:creationId xmlns:a16="http://schemas.microsoft.com/office/drawing/2014/main" id="{E6F18A64-67E6-AB26-9A05-79C18D0F35A2}"/>
+                <a16:creationId xmlns:a16="http://schemas.microsoft.com/office/drawing/2014/main" id="{761642D0-5FE2-E855-5730-D5015775C68B}"/>
               </a:ext>
             </a:extLst>
           </p:cNvPr>
@@ -1115,7 +1115,7 @@
           <p:cNvPr id="4" name="日期占位符 3">
             <a:extLst>
               <a:ext uri="{FF2B5EF4-FFF2-40B4-BE49-F238E27FC236}">
-                <a16:creationId xmlns:a16="http://schemas.microsoft.com/office/drawing/2014/main" id="{7EB77FA2-E789-DDA6-4AED-107D53D4EC79}"/>
+                <a16:creationId xmlns:a16="http://schemas.microsoft.com/office/drawing/2014/main" id="{1BB996DB-B4B8-3A4D-014D-51A3F0E667AB}"/>
               </a:ext>
             </a:extLst>
           </p:cNvPr>
@@ -1131,7 +1131,7 @@
           <a:bodyPr/>
           <a:lstStyle/>
           <a:p>
-            <a:fld id="{98554BBB-4595-4504-BEDD-9107D23E8498}" type="datetimeFigureOut">
+            <a:fld id="{7D776920-DA14-48E6-BB15-6E8A1D585757}" type="datetimeFigureOut">
               <a:rPr lang="zh-CN" altLang="en-US" smtClean="0"/>
               <a:t>2024/3/10</a:t>
             </a:fld>
@@ -1144,7 +1144,7 @@
           <p:cNvPr id="5" name="页脚占位符 4">
             <a:extLst>
               <a:ext uri="{FF2B5EF4-FFF2-40B4-BE49-F238E27FC236}">
-                <a16:creationId xmlns:a16="http://schemas.microsoft.com/office/drawing/2014/main" id="{F6C39FB8-9388-1666-FB31-3CFDF1B24446}"/>
+                <a16:creationId xmlns:a16="http://schemas.microsoft.com/office/drawing/2014/main" id="{8929899D-997C-C1F1-B42D-DA4338389083}"/>
               </a:ext>
             </a:extLst>
           </p:cNvPr>
@@ -1169,7 +1169,7 @@
           <p:cNvPr id="6" name="灯片编号占位符 5">
             <a:extLst>
               <a:ext uri="{FF2B5EF4-FFF2-40B4-BE49-F238E27FC236}">
-                <a16:creationId xmlns:a16="http://schemas.microsoft.com/office/drawing/2014/main" id="{C4AC39FA-D41B-640B-C32F-C4C594ACC979}"/>
+                <a16:creationId xmlns:a16="http://schemas.microsoft.com/office/drawing/2014/main" id="{C6265919-8A77-E220-5772-F2C18F4A372F}"/>
               </a:ext>
             </a:extLst>
           </p:cNvPr>
@@ -1185,7 +1185,7 @@
           <a:bodyPr/>
           <a:lstStyle/>
           <a:p>
-            <a:fld id="{73828C20-DC2A-46AA-AC04-66E687285C83}" type="slidenum">
+            <a:fld id="{A81A8A94-DDEE-4589-A408-9A3CE794783D}" type="slidenum">
               <a:rPr lang="zh-CN" altLang="en-US" smtClean="0"/>
               <a:t>‹#›</a:t>
             </a:fld>
@@ -1196,7 +1196,7 @@
     </p:spTree>
     <p:extLst>
       <p:ext uri="{BB962C8B-B14F-4D97-AF65-F5344CB8AC3E}">
-        <p14:creationId xmlns:p14="http://schemas.microsoft.com/office/powerpoint/2010/main" val="2041849131"/>
+        <p14:creationId xmlns:p14="http://schemas.microsoft.com/office/powerpoint/2010/main" val="1207981460"/>
       </p:ext>
     </p:extLst>
   </p:cSld>
@@ -1228,7 +1228,7 @@
           <p:cNvPr id="2" name="标题 1">
             <a:extLst>
               <a:ext uri="{FF2B5EF4-FFF2-40B4-BE49-F238E27FC236}">
-                <a16:creationId xmlns:a16="http://schemas.microsoft.com/office/drawing/2014/main" id="{07024B81-04FC-0971-72F6-AE562370FF81}"/>
+                <a16:creationId xmlns:a16="http://schemas.microsoft.com/office/drawing/2014/main" id="{CE748C11-D28F-DD0B-433F-DA840442BA07}"/>
               </a:ext>
             </a:extLst>
           </p:cNvPr>
@@ -1256,7 +1256,7 @@
           <p:cNvPr id="3" name="内容占位符 2">
             <a:extLst>
               <a:ext uri="{FF2B5EF4-FFF2-40B4-BE49-F238E27FC236}">
-                <a16:creationId xmlns:a16="http://schemas.microsoft.com/office/drawing/2014/main" id="{D325D5E2-FE75-36CD-2132-382C11211229}"/>
+                <a16:creationId xmlns:a16="http://schemas.microsoft.com/office/drawing/2014/main" id="{026BE392-FE88-C64D-04FC-716709A4B7B1}"/>
               </a:ext>
             </a:extLst>
           </p:cNvPr>
@@ -1318,7 +1318,7 @@
           <p:cNvPr id="4" name="内容占位符 3">
             <a:extLst>
               <a:ext uri="{FF2B5EF4-FFF2-40B4-BE49-F238E27FC236}">
-                <a16:creationId xmlns:a16="http://schemas.microsoft.com/office/drawing/2014/main" id="{3C563B43-749C-DB6D-60FE-7C5F6FFC9161}"/>
+                <a16:creationId xmlns:a16="http://schemas.microsoft.com/office/drawing/2014/main" id="{F9275DC7-5C12-0E5B-49CF-BFD69B12D259}"/>
               </a:ext>
             </a:extLst>
           </p:cNvPr>
@@ -1380,7 +1380,7 @@
           <p:cNvPr id="5" name="日期占位符 4">
             <a:extLst>
               <a:ext uri="{FF2B5EF4-FFF2-40B4-BE49-F238E27FC236}">
-                <a16:creationId xmlns:a16="http://schemas.microsoft.com/office/drawing/2014/main" id="{BE50D1CC-2F95-A41D-908D-D9CF2F5FDE26}"/>
+                <a16:creationId xmlns:a16="http://schemas.microsoft.com/office/drawing/2014/main" id="{F74B332C-DDB1-7365-51D1-E67362CA2A95}"/>
               </a:ext>
             </a:extLst>
           </p:cNvPr>
@@ -1396,7 +1396,7 @@
           <a:bodyPr/>
           <a:lstStyle/>
           <a:p>
-            <a:fld id="{98554BBB-4595-4504-BEDD-9107D23E8498}" type="datetimeFigureOut">
+            <a:fld id="{7D776920-DA14-48E6-BB15-6E8A1D585757}" type="datetimeFigureOut">
               <a:rPr lang="zh-CN" altLang="en-US" smtClean="0"/>
               <a:t>2024/3/10</a:t>
             </a:fld>
@@ -1409,7 +1409,7 @@
           <p:cNvPr id="6" name="页脚占位符 5">
             <a:extLst>
               <a:ext uri="{FF2B5EF4-FFF2-40B4-BE49-F238E27FC236}">
-                <a16:creationId xmlns:a16="http://schemas.microsoft.com/office/drawing/2014/main" id="{D0A59B3F-0FCD-4EC0-EF09-19EAC2241047}"/>
+                <a16:creationId xmlns:a16="http://schemas.microsoft.com/office/drawing/2014/main" id="{EA6AD7C4-05D2-6EE7-5868-3181C845BF19}"/>
               </a:ext>
             </a:extLst>
           </p:cNvPr>
@@ -1434,7 +1434,7 @@
           <p:cNvPr id="7" name="灯片编号占位符 6">
             <a:extLst>
               <a:ext uri="{FF2B5EF4-FFF2-40B4-BE49-F238E27FC236}">
-                <a16:creationId xmlns:a16="http://schemas.microsoft.com/office/drawing/2014/main" id="{7F6941ED-CE1C-5DC1-18DE-DEAFCFBB601F}"/>
+                <a16:creationId xmlns:a16="http://schemas.microsoft.com/office/drawing/2014/main" id="{D62BC9AB-4B37-450C-4016-2A22733F5BF6}"/>
               </a:ext>
             </a:extLst>
           </p:cNvPr>
@@ -1450,7 +1450,7 @@
           <a:bodyPr/>
           <a:lstStyle/>
           <a:p>
-            <a:fld id="{73828C20-DC2A-46AA-AC04-66E687285C83}" type="slidenum">
+            <a:fld id="{A81A8A94-DDEE-4589-A408-9A3CE794783D}" type="slidenum">
               <a:rPr lang="zh-CN" altLang="en-US" smtClean="0"/>
               <a:t>‹#›</a:t>
             </a:fld>
@@ -1461,7 +1461,7 @@
     </p:spTree>
     <p:extLst>
       <p:ext uri="{BB962C8B-B14F-4D97-AF65-F5344CB8AC3E}">
-        <p14:creationId xmlns:p14="http://schemas.microsoft.com/office/powerpoint/2010/main" val="2172761960"/>
+        <p14:creationId xmlns:p14="http://schemas.microsoft.com/office/powerpoint/2010/main" val="3375631219"/>
       </p:ext>
     </p:extLst>
   </p:cSld>
@@ -1493,7 +1493,7 @@
           <p:cNvPr id="2" name="标题 1">
             <a:extLst>
               <a:ext uri="{FF2B5EF4-FFF2-40B4-BE49-F238E27FC236}">
-                <a16:creationId xmlns:a16="http://schemas.microsoft.com/office/drawing/2014/main" id="{97D2FFA1-67DA-1E08-2DE2-3D2AD52AB9AD}"/>
+                <a16:creationId xmlns:a16="http://schemas.microsoft.com/office/drawing/2014/main" id="{3A6F35AA-E58A-48C5-9CEA-464ADC2B2E1C}"/>
               </a:ext>
             </a:extLst>
           </p:cNvPr>
@@ -1526,7 +1526,7 @@
           <p:cNvPr id="3" name="文本占位符 2">
             <a:extLst>
               <a:ext uri="{FF2B5EF4-FFF2-40B4-BE49-F238E27FC236}">
-                <a16:creationId xmlns:a16="http://schemas.microsoft.com/office/drawing/2014/main" id="{C893B54A-4B15-562E-BF89-67DE817EBCEC}"/>
+                <a16:creationId xmlns:a16="http://schemas.microsoft.com/office/drawing/2014/main" id="{E194B1FF-3065-9B77-E9B4-B899244DF7BF}"/>
               </a:ext>
             </a:extLst>
           </p:cNvPr>
@@ -1597,7 +1597,7 @@
           <p:cNvPr id="4" name="内容占位符 3">
             <a:extLst>
               <a:ext uri="{FF2B5EF4-FFF2-40B4-BE49-F238E27FC236}">
-                <a16:creationId xmlns:a16="http://schemas.microsoft.com/office/drawing/2014/main" id="{4A6EA0A2-3BD0-949C-8DDF-6DC77D49DE38}"/>
+                <a16:creationId xmlns:a16="http://schemas.microsoft.com/office/drawing/2014/main" id="{BDFE0C36-30F1-85BE-285D-018B1E8B476C}"/>
               </a:ext>
             </a:extLst>
           </p:cNvPr>
@@ -1659,7 +1659,7 @@
           <p:cNvPr id="5" name="文本占位符 4">
             <a:extLst>
               <a:ext uri="{FF2B5EF4-FFF2-40B4-BE49-F238E27FC236}">
-                <a16:creationId xmlns:a16="http://schemas.microsoft.com/office/drawing/2014/main" id="{BFAE4AC4-B489-AF8F-16BA-A343E647691E}"/>
+                <a16:creationId xmlns:a16="http://schemas.microsoft.com/office/drawing/2014/main" id="{B2FF7DC3-4A5F-D807-8ABB-42F8C43E6F1C}"/>
               </a:ext>
             </a:extLst>
           </p:cNvPr>
@@ -1730,7 +1730,7 @@
           <p:cNvPr id="6" name="内容占位符 5">
             <a:extLst>
               <a:ext uri="{FF2B5EF4-FFF2-40B4-BE49-F238E27FC236}">
-                <a16:creationId xmlns:a16="http://schemas.microsoft.com/office/drawing/2014/main" id="{63C26F3C-C95A-3184-7FFF-4A13739B8787}"/>
+                <a16:creationId xmlns:a16="http://schemas.microsoft.com/office/drawing/2014/main" id="{0B3933F0-B978-3A19-824D-9F403CACAE14}"/>
               </a:ext>
             </a:extLst>
           </p:cNvPr>
@@ -1792,7 +1792,7 @@
           <p:cNvPr id="7" name="日期占位符 6">
             <a:extLst>
               <a:ext uri="{FF2B5EF4-FFF2-40B4-BE49-F238E27FC236}">
-                <a16:creationId xmlns:a16="http://schemas.microsoft.com/office/drawing/2014/main" id="{BA7992E2-3103-A113-8F5C-26ED6B9920DE}"/>
+                <a16:creationId xmlns:a16="http://schemas.microsoft.com/office/drawing/2014/main" id="{A3176B90-18BF-D2E3-24C5-7EFB27AC356C}"/>
               </a:ext>
             </a:extLst>
           </p:cNvPr>
@@ -1808,7 +1808,7 @@
           <a:bodyPr/>
           <a:lstStyle/>
           <a:p>
-            <a:fld id="{98554BBB-4595-4504-BEDD-9107D23E8498}" type="datetimeFigureOut">
+            <a:fld id="{7D776920-DA14-48E6-BB15-6E8A1D585757}" type="datetimeFigureOut">
               <a:rPr lang="zh-CN" altLang="en-US" smtClean="0"/>
               <a:t>2024/3/10</a:t>
             </a:fld>
@@ -1821,7 +1821,7 @@
           <p:cNvPr id="8" name="页脚占位符 7">
             <a:extLst>
               <a:ext uri="{FF2B5EF4-FFF2-40B4-BE49-F238E27FC236}">
-                <a16:creationId xmlns:a16="http://schemas.microsoft.com/office/drawing/2014/main" id="{173E4A89-45E6-0F9C-C9A7-88312D918016}"/>
+                <a16:creationId xmlns:a16="http://schemas.microsoft.com/office/drawing/2014/main" id="{C6C1D3B5-3571-514B-C9EF-CC64BF06AB24}"/>
               </a:ext>
             </a:extLst>
           </p:cNvPr>
@@ -1846,7 +1846,7 @@
           <p:cNvPr id="9" name="灯片编号占位符 8">
             <a:extLst>
               <a:ext uri="{FF2B5EF4-FFF2-40B4-BE49-F238E27FC236}">
-                <a16:creationId xmlns:a16="http://schemas.microsoft.com/office/drawing/2014/main" id="{B3FBE4B4-0B86-1C21-4320-94B91A7F2DBE}"/>
+                <a16:creationId xmlns:a16="http://schemas.microsoft.com/office/drawing/2014/main" id="{D580316C-2C22-6659-9CBE-AF086FF07166}"/>
               </a:ext>
             </a:extLst>
           </p:cNvPr>
@@ -1862,7 +1862,7 @@
           <a:bodyPr/>
           <a:lstStyle/>
           <a:p>
-            <a:fld id="{73828C20-DC2A-46AA-AC04-66E687285C83}" type="slidenum">
+            <a:fld id="{A81A8A94-DDEE-4589-A408-9A3CE794783D}" type="slidenum">
               <a:rPr lang="zh-CN" altLang="en-US" smtClean="0"/>
               <a:t>‹#›</a:t>
             </a:fld>
@@ -1873,7 +1873,7 @@
     </p:spTree>
     <p:extLst>
       <p:ext uri="{BB962C8B-B14F-4D97-AF65-F5344CB8AC3E}">
-        <p14:creationId xmlns:p14="http://schemas.microsoft.com/office/powerpoint/2010/main" val="1708582890"/>
+        <p14:creationId xmlns:p14="http://schemas.microsoft.com/office/powerpoint/2010/main" val="4228744039"/>
       </p:ext>
     </p:extLst>
   </p:cSld>
@@ -1905,7 +1905,7 @@
           <p:cNvPr id="2" name="标题 1">
             <a:extLst>
               <a:ext uri="{FF2B5EF4-FFF2-40B4-BE49-F238E27FC236}">
-                <a16:creationId xmlns:a16="http://schemas.microsoft.com/office/drawing/2014/main" id="{818D834D-91C9-0A7C-6537-97CCCEA42ED1}"/>
+                <a16:creationId xmlns:a16="http://schemas.microsoft.com/office/drawing/2014/main" id="{ACE208CA-2626-AF4A-FA88-7551C769B040}"/>
               </a:ext>
             </a:extLst>
           </p:cNvPr>
@@ -1933,7 +1933,7 @@
           <p:cNvPr id="3" name="日期占位符 2">
             <a:extLst>
               <a:ext uri="{FF2B5EF4-FFF2-40B4-BE49-F238E27FC236}">
-                <a16:creationId xmlns:a16="http://schemas.microsoft.com/office/drawing/2014/main" id="{7C0790C2-41FC-2807-6955-B7E5F99B43BA}"/>
+                <a16:creationId xmlns:a16="http://schemas.microsoft.com/office/drawing/2014/main" id="{9F4ACF7B-FD6D-FD65-278E-92734946D53B}"/>
               </a:ext>
             </a:extLst>
           </p:cNvPr>
@@ -1949,7 +1949,7 @@
           <a:bodyPr/>
           <a:lstStyle/>
           <a:p>
-            <a:fld id="{98554BBB-4595-4504-BEDD-9107D23E8498}" type="datetimeFigureOut">
+            <a:fld id="{7D776920-DA14-48E6-BB15-6E8A1D585757}" type="datetimeFigureOut">
               <a:rPr lang="zh-CN" altLang="en-US" smtClean="0"/>
               <a:t>2024/3/10</a:t>
             </a:fld>
@@ -1962,7 +1962,7 @@
           <p:cNvPr id="4" name="页脚占位符 3">
             <a:extLst>
               <a:ext uri="{FF2B5EF4-FFF2-40B4-BE49-F238E27FC236}">
-                <a16:creationId xmlns:a16="http://schemas.microsoft.com/office/drawing/2014/main" id="{FAB2B0CD-82B4-25BA-36A8-25A37337DB99}"/>
+                <a16:creationId xmlns:a16="http://schemas.microsoft.com/office/drawing/2014/main" id="{4F95246A-BA7D-C8FD-606B-72A7B5742D35}"/>
               </a:ext>
             </a:extLst>
           </p:cNvPr>
@@ -1987,7 +1987,7 @@
           <p:cNvPr id="5" name="灯片编号占位符 4">
             <a:extLst>
               <a:ext uri="{FF2B5EF4-FFF2-40B4-BE49-F238E27FC236}">
-                <a16:creationId xmlns:a16="http://schemas.microsoft.com/office/drawing/2014/main" id="{9AF6FE5D-0951-5D47-51AF-30AF88332DF5}"/>
+                <a16:creationId xmlns:a16="http://schemas.microsoft.com/office/drawing/2014/main" id="{78EE1B64-20DD-0CA0-B804-168F9F5A2952}"/>
               </a:ext>
             </a:extLst>
           </p:cNvPr>
@@ -2003,7 +2003,7 @@
           <a:bodyPr/>
           <a:lstStyle/>
           <a:p>
-            <a:fld id="{73828C20-DC2A-46AA-AC04-66E687285C83}" type="slidenum">
+            <a:fld id="{A81A8A94-DDEE-4589-A408-9A3CE794783D}" type="slidenum">
               <a:rPr lang="zh-CN" altLang="en-US" smtClean="0"/>
               <a:t>‹#›</a:t>
             </a:fld>
@@ -2014,7 +2014,7 @@
     </p:spTree>
     <p:extLst>
       <p:ext uri="{BB962C8B-B14F-4D97-AF65-F5344CB8AC3E}">
-        <p14:creationId xmlns:p14="http://schemas.microsoft.com/office/powerpoint/2010/main" val="3341182654"/>
+        <p14:creationId xmlns:p14="http://schemas.microsoft.com/office/powerpoint/2010/main" val="618191966"/>
       </p:ext>
     </p:extLst>
   </p:cSld>
@@ -2046,7 +2046,7 @@
           <p:cNvPr id="2" name="日期占位符 1">
             <a:extLst>
               <a:ext uri="{FF2B5EF4-FFF2-40B4-BE49-F238E27FC236}">
-                <a16:creationId xmlns:a16="http://schemas.microsoft.com/office/drawing/2014/main" id="{E3B9D187-3890-07B0-6F92-F6BA8FCAFAE1}"/>
+                <a16:creationId xmlns:a16="http://schemas.microsoft.com/office/drawing/2014/main" id="{B81CA766-3A3D-6574-AA45-7653CC546F5F}"/>
               </a:ext>
             </a:extLst>
           </p:cNvPr>
@@ -2062,7 +2062,7 @@
           <a:bodyPr/>
           <a:lstStyle/>
           <a:p>
-            <a:fld id="{98554BBB-4595-4504-BEDD-9107D23E8498}" type="datetimeFigureOut">
+            <a:fld id="{7D776920-DA14-48E6-BB15-6E8A1D585757}" type="datetimeFigureOut">
               <a:rPr lang="zh-CN" altLang="en-US" smtClean="0"/>
               <a:t>2024/3/10</a:t>
             </a:fld>
@@ -2075,7 +2075,7 @@
           <p:cNvPr id="3" name="页脚占位符 2">
             <a:extLst>
               <a:ext uri="{FF2B5EF4-FFF2-40B4-BE49-F238E27FC236}">
-                <a16:creationId xmlns:a16="http://schemas.microsoft.com/office/drawing/2014/main" id="{29D0DE5D-95D9-110B-CA49-EF426E0917D3}"/>
+                <a16:creationId xmlns:a16="http://schemas.microsoft.com/office/drawing/2014/main" id="{48F236E6-A144-10CB-0FC7-EB191CCD57BC}"/>
               </a:ext>
             </a:extLst>
           </p:cNvPr>
@@ -2100,7 +2100,7 @@
           <p:cNvPr id="4" name="灯片编号占位符 3">
             <a:extLst>
               <a:ext uri="{FF2B5EF4-FFF2-40B4-BE49-F238E27FC236}">
-                <a16:creationId xmlns:a16="http://schemas.microsoft.com/office/drawing/2014/main" id="{807C961E-A466-3A7E-29C4-6E29E29FA5D9}"/>
+                <a16:creationId xmlns:a16="http://schemas.microsoft.com/office/drawing/2014/main" id="{2BF0BA02-686F-B76C-3F50-130944C09B7C}"/>
               </a:ext>
             </a:extLst>
           </p:cNvPr>
@@ -2116,7 +2116,7 @@
           <a:bodyPr/>
           <a:lstStyle/>
           <a:p>
-            <a:fld id="{73828C20-DC2A-46AA-AC04-66E687285C83}" type="slidenum">
+            <a:fld id="{A81A8A94-DDEE-4589-A408-9A3CE794783D}" type="slidenum">
               <a:rPr lang="zh-CN" altLang="en-US" smtClean="0"/>
               <a:t>‹#›</a:t>
             </a:fld>
@@ -2127,7 +2127,7 @@
     </p:spTree>
     <p:extLst>
       <p:ext uri="{BB962C8B-B14F-4D97-AF65-F5344CB8AC3E}">
-        <p14:creationId xmlns:p14="http://schemas.microsoft.com/office/powerpoint/2010/main" val="1952511862"/>
+        <p14:creationId xmlns:p14="http://schemas.microsoft.com/office/powerpoint/2010/main" val="1018060671"/>
       </p:ext>
     </p:extLst>
   </p:cSld>
@@ -2159,7 +2159,7 @@
           <p:cNvPr id="2" name="标题 1">
             <a:extLst>
               <a:ext uri="{FF2B5EF4-FFF2-40B4-BE49-F238E27FC236}">
-                <a16:creationId xmlns:a16="http://schemas.microsoft.com/office/drawing/2014/main" id="{95A69230-D892-1FEF-BAA1-F711D720B0D0}"/>
+                <a16:creationId xmlns:a16="http://schemas.microsoft.com/office/drawing/2014/main" id="{0CB16490-7A30-8E02-2ACE-F54A01ADD6A5}"/>
               </a:ext>
             </a:extLst>
           </p:cNvPr>
@@ -2196,7 +2196,7 @@
           <p:cNvPr id="3" name="内容占位符 2">
             <a:extLst>
               <a:ext uri="{FF2B5EF4-FFF2-40B4-BE49-F238E27FC236}">
-                <a16:creationId xmlns:a16="http://schemas.microsoft.com/office/drawing/2014/main" id="{488EE53E-1410-6724-18DD-E48483EB795E}"/>
+                <a16:creationId xmlns:a16="http://schemas.microsoft.com/office/drawing/2014/main" id="{D089D6BB-6174-D397-2A4C-0D4FA043B2C7}"/>
               </a:ext>
             </a:extLst>
           </p:cNvPr>
@@ -2286,7 +2286,7 @@
           <p:cNvPr id="4" name="文本占位符 3">
             <a:extLst>
               <a:ext uri="{FF2B5EF4-FFF2-40B4-BE49-F238E27FC236}">
-                <a16:creationId xmlns:a16="http://schemas.microsoft.com/office/drawing/2014/main" id="{CE30FC08-F057-4229-AF52-AD5EF336951D}"/>
+                <a16:creationId xmlns:a16="http://schemas.microsoft.com/office/drawing/2014/main" id="{78009B0E-58AF-6D96-639D-BB505090C890}"/>
               </a:ext>
             </a:extLst>
           </p:cNvPr>
@@ -2357,7 +2357,7 @@
           <p:cNvPr id="5" name="日期占位符 4">
             <a:extLst>
               <a:ext uri="{FF2B5EF4-FFF2-40B4-BE49-F238E27FC236}">
-                <a16:creationId xmlns:a16="http://schemas.microsoft.com/office/drawing/2014/main" id="{F385B522-1665-4C41-1CAB-3EE844976B37}"/>
+                <a16:creationId xmlns:a16="http://schemas.microsoft.com/office/drawing/2014/main" id="{687EB503-C8E1-7DD2-11B4-E6CFE839514C}"/>
               </a:ext>
             </a:extLst>
           </p:cNvPr>
@@ -2373,7 +2373,7 @@
           <a:bodyPr/>
           <a:lstStyle/>
           <a:p>
-            <a:fld id="{98554BBB-4595-4504-BEDD-9107D23E8498}" type="datetimeFigureOut">
+            <a:fld id="{7D776920-DA14-48E6-BB15-6E8A1D585757}" type="datetimeFigureOut">
               <a:rPr lang="zh-CN" altLang="en-US" smtClean="0"/>
               <a:t>2024/3/10</a:t>
             </a:fld>
@@ -2386,7 +2386,7 @@
           <p:cNvPr id="6" name="页脚占位符 5">
             <a:extLst>
               <a:ext uri="{FF2B5EF4-FFF2-40B4-BE49-F238E27FC236}">
-                <a16:creationId xmlns:a16="http://schemas.microsoft.com/office/drawing/2014/main" id="{4013E8DA-C908-1FE9-BFD0-270E8AAACC31}"/>
+                <a16:creationId xmlns:a16="http://schemas.microsoft.com/office/drawing/2014/main" id="{D19A0638-B81F-BE12-C294-6CE55375B5BE}"/>
               </a:ext>
             </a:extLst>
           </p:cNvPr>
@@ -2411,7 +2411,7 @@
           <p:cNvPr id="7" name="灯片编号占位符 6">
             <a:extLst>
               <a:ext uri="{FF2B5EF4-FFF2-40B4-BE49-F238E27FC236}">
-                <a16:creationId xmlns:a16="http://schemas.microsoft.com/office/drawing/2014/main" id="{8CE64B74-98A3-0BF0-4736-D2451961B735}"/>
+                <a16:creationId xmlns:a16="http://schemas.microsoft.com/office/drawing/2014/main" id="{4810D0B1-CC79-6F77-03A0-C93D5AE57D17}"/>
               </a:ext>
             </a:extLst>
           </p:cNvPr>
@@ -2427,7 +2427,7 @@
           <a:bodyPr/>
           <a:lstStyle/>
           <a:p>
-            <a:fld id="{73828C20-DC2A-46AA-AC04-66E687285C83}" type="slidenum">
+            <a:fld id="{A81A8A94-DDEE-4589-A408-9A3CE794783D}" type="slidenum">
               <a:rPr lang="zh-CN" altLang="en-US" smtClean="0"/>
               <a:t>‹#›</a:t>
             </a:fld>
@@ -2438,7 +2438,7 @@
     </p:spTree>
     <p:extLst>
       <p:ext uri="{BB962C8B-B14F-4D97-AF65-F5344CB8AC3E}">
-        <p14:creationId xmlns:p14="http://schemas.microsoft.com/office/powerpoint/2010/main" val="2600998748"/>
+        <p14:creationId xmlns:p14="http://schemas.microsoft.com/office/powerpoint/2010/main" val="213500653"/>
       </p:ext>
     </p:extLst>
   </p:cSld>
@@ -2470,7 +2470,7 @@
           <p:cNvPr id="2" name="标题 1">
             <a:extLst>
               <a:ext uri="{FF2B5EF4-FFF2-40B4-BE49-F238E27FC236}">
-                <a16:creationId xmlns:a16="http://schemas.microsoft.com/office/drawing/2014/main" id="{3DC2DC1C-3801-4D3B-AA9E-E65E9D0C77B0}"/>
+                <a16:creationId xmlns:a16="http://schemas.microsoft.com/office/drawing/2014/main" id="{E0BDE01B-BCB2-380E-7CDF-6218133DB29D}"/>
               </a:ext>
             </a:extLst>
           </p:cNvPr>
@@ -2507,7 +2507,7 @@
           <p:cNvPr id="3" name="图片占位符 2">
             <a:extLst>
               <a:ext uri="{FF2B5EF4-FFF2-40B4-BE49-F238E27FC236}">
-                <a16:creationId xmlns:a16="http://schemas.microsoft.com/office/drawing/2014/main" id="{0306DC13-821C-D6DA-D572-B5544352393E}"/>
+                <a16:creationId xmlns:a16="http://schemas.microsoft.com/office/drawing/2014/main" id="{BFAD7CEA-4507-201A-2430-A20F637AA773}"/>
               </a:ext>
             </a:extLst>
           </p:cNvPr>
@@ -2574,7 +2574,7 @@
           <p:cNvPr id="4" name="文本占位符 3">
             <a:extLst>
               <a:ext uri="{FF2B5EF4-FFF2-40B4-BE49-F238E27FC236}">
-                <a16:creationId xmlns:a16="http://schemas.microsoft.com/office/drawing/2014/main" id="{6638DAB0-174A-647C-CCAA-AF727503FD53}"/>
+                <a16:creationId xmlns:a16="http://schemas.microsoft.com/office/drawing/2014/main" id="{EA60C8EC-2D93-EE69-1E9A-0F208FCEFBE7}"/>
               </a:ext>
             </a:extLst>
           </p:cNvPr>
@@ -2645,7 +2645,7 @@
           <p:cNvPr id="5" name="日期占位符 4">
             <a:extLst>
               <a:ext uri="{FF2B5EF4-FFF2-40B4-BE49-F238E27FC236}">
-                <a16:creationId xmlns:a16="http://schemas.microsoft.com/office/drawing/2014/main" id="{F40FAEB9-E9E4-71B6-E240-3F70791F6315}"/>
+                <a16:creationId xmlns:a16="http://schemas.microsoft.com/office/drawing/2014/main" id="{C4F10556-056D-C543-DA7F-4907FB5DEEE4}"/>
               </a:ext>
             </a:extLst>
           </p:cNvPr>
@@ -2661,7 +2661,7 @@
           <a:bodyPr/>
           <a:lstStyle/>
           <a:p>
-            <a:fld id="{98554BBB-4595-4504-BEDD-9107D23E8498}" type="datetimeFigureOut">
+            <a:fld id="{7D776920-DA14-48E6-BB15-6E8A1D585757}" type="datetimeFigureOut">
               <a:rPr lang="zh-CN" altLang="en-US" smtClean="0"/>
               <a:t>2024/3/10</a:t>
             </a:fld>
@@ -2674,7 +2674,7 @@
           <p:cNvPr id="6" name="页脚占位符 5">
             <a:extLst>
               <a:ext uri="{FF2B5EF4-FFF2-40B4-BE49-F238E27FC236}">
-                <a16:creationId xmlns:a16="http://schemas.microsoft.com/office/drawing/2014/main" id="{18DBCEDC-D815-C408-5A9F-F40E2C3463BE}"/>
+                <a16:creationId xmlns:a16="http://schemas.microsoft.com/office/drawing/2014/main" id="{828C170A-DA53-AD9A-E4D5-E4F501B98480}"/>
               </a:ext>
             </a:extLst>
           </p:cNvPr>
@@ -2699,7 +2699,7 @@
           <p:cNvPr id="7" name="灯片编号占位符 6">
             <a:extLst>
               <a:ext uri="{FF2B5EF4-FFF2-40B4-BE49-F238E27FC236}">
-                <a16:creationId xmlns:a16="http://schemas.microsoft.com/office/drawing/2014/main" id="{56F4DF19-5C04-E71C-98EF-2A8A142AB199}"/>
+                <a16:creationId xmlns:a16="http://schemas.microsoft.com/office/drawing/2014/main" id="{D043EFF9-A66E-981D-2C3E-E5C67E9898AB}"/>
               </a:ext>
             </a:extLst>
           </p:cNvPr>
@@ -2715,7 +2715,7 @@
           <a:bodyPr/>
           <a:lstStyle/>
           <a:p>
-            <a:fld id="{73828C20-DC2A-46AA-AC04-66E687285C83}" type="slidenum">
+            <a:fld id="{A81A8A94-DDEE-4589-A408-9A3CE794783D}" type="slidenum">
               <a:rPr lang="zh-CN" altLang="en-US" smtClean="0"/>
               <a:t>‹#›</a:t>
             </a:fld>
@@ -2726,7 +2726,7 @@
     </p:spTree>
     <p:extLst>
       <p:ext uri="{BB962C8B-B14F-4D97-AF65-F5344CB8AC3E}">
-        <p14:creationId xmlns:p14="http://schemas.microsoft.com/office/powerpoint/2010/main" val="2827068488"/>
+        <p14:creationId xmlns:p14="http://schemas.microsoft.com/office/powerpoint/2010/main" val="3691955676"/>
       </p:ext>
     </p:extLst>
   </p:cSld>
@@ -2763,7 +2763,7 @@
           <p:cNvPr id="2" name="标题占位符 1">
             <a:extLst>
               <a:ext uri="{FF2B5EF4-FFF2-40B4-BE49-F238E27FC236}">
-                <a16:creationId xmlns:a16="http://schemas.microsoft.com/office/drawing/2014/main" id="{EA8ADECD-F66E-E69A-E046-BD36D2478B5D}"/>
+                <a16:creationId xmlns:a16="http://schemas.microsoft.com/office/drawing/2014/main" id="{05EA2EE9-8851-4026-AAB5-9F376B8B4795}"/>
               </a:ext>
             </a:extLst>
           </p:cNvPr>
@@ -2801,7 +2801,7 @@
           <p:cNvPr id="3" name="文本占位符 2">
             <a:extLst>
               <a:ext uri="{FF2B5EF4-FFF2-40B4-BE49-F238E27FC236}">
-                <a16:creationId xmlns:a16="http://schemas.microsoft.com/office/drawing/2014/main" id="{BD4B04DD-FDBF-24B8-8D55-9A7C8D401204}"/>
+                <a16:creationId xmlns:a16="http://schemas.microsoft.com/office/drawing/2014/main" id="{EFCCD70C-0BC4-E04E-BC9C-B8A1D5A4A7F3}"/>
               </a:ext>
             </a:extLst>
           </p:cNvPr>
@@ -2868,7 +2868,7 @@
           <p:cNvPr id="4" name="日期占位符 3">
             <a:extLst>
               <a:ext uri="{FF2B5EF4-FFF2-40B4-BE49-F238E27FC236}">
-                <a16:creationId xmlns:a16="http://schemas.microsoft.com/office/drawing/2014/main" id="{E7F20913-DA25-F249-F2D6-517D9459917A}"/>
+                <a16:creationId xmlns:a16="http://schemas.microsoft.com/office/drawing/2014/main" id="{7AB759E7-2829-28CD-F1D5-47DFA0E90E9F}"/>
               </a:ext>
             </a:extLst>
           </p:cNvPr>
@@ -2902,7 +2902,7 @@
             </a:lvl1pPr>
           </a:lstStyle>
           <a:p>
-            <a:fld id="{98554BBB-4595-4504-BEDD-9107D23E8498}" type="datetimeFigureOut">
+            <a:fld id="{7D776920-DA14-48E6-BB15-6E8A1D585757}" type="datetimeFigureOut">
               <a:rPr lang="zh-CN" altLang="en-US" smtClean="0"/>
               <a:t>2024/3/10</a:t>
             </a:fld>
@@ -2915,7 +2915,7 @@
           <p:cNvPr id="5" name="页脚占位符 4">
             <a:extLst>
               <a:ext uri="{FF2B5EF4-FFF2-40B4-BE49-F238E27FC236}">
-                <a16:creationId xmlns:a16="http://schemas.microsoft.com/office/drawing/2014/main" id="{6945E8D4-87EF-42A3-D13E-384E7C25D011}"/>
+                <a16:creationId xmlns:a16="http://schemas.microsoft.com/office/drawing/2014/main" id="{54AFC1B4-26FA-0C74-239E-EAA378CA15B1}"/>
               </a:ext>
             </a:extLst>
           </p:cNvPr>
@@ -2958,7 +2958,7 @@
           <p:cNvPr id="6" name="灯片编号占位符 5">
             <a:extLst>
               <a:ext uri="{FF2B5EF4-FFF2-40B4-BE49-F238E27FC236}">
-                <a16:creationId xmlns:a16="http://schemas.microsoft.com/office/drawing/2014/main" id="{95D421D6-C297-276D-C2B1-AD631E8589C0}"/>
+                <a16:creationId xmlns:a16="http://schemas.microsoft.com/office/drawing/2014/main" id="{1A277DD6-B5F8-8CA3-72A4-87F67DEEF108}"/>
               </a:ext>
             </a:extLst>
           </p:cNvPr>
@@ -2992,7 +2992,7 @@
             </a:lvl1pPr>
           </a:lstStyle>
           <a:p>
-            <a:fld id="{73828C20-DC2A-46AA-AC04-66E687285C83}" type="slidenum">
+            <a:fld id="{A81A8A94-DDEE-4589-A408-9A3CE794783D}" type="slidenum">
               <a:rPr lang="zh-CN" altLang="en-US" smtClean="0"/>
               <a:t>‹#›</a:t>
             </a:fld>
@@ -3003,7 +3003,7 @@
     </p:spTree>
     <p:extLst>
       <p:ext uri="{BB962C8B-B14F-4D97-AF65-F5344CB8AC3E}">
-        <p14:creationId xmlns:p14="http://schemas.microsoft.com/office/powerpoint/2010/main" val="398180165"/>
+        <p14:creationId xmlns:p14="http://schemas.microsoft.com/office/powerpoint/2010/main" val="2458132815"/>
       </p:ext>
     </p:extLst>
   </p:cSld>
